--- a/files/CogPsychDay12.pptx
+++ b/files/CogPsychDay12.pptx
@@ -5,7 +5,7 @@
     <p:sldMasterId id="2147483659" r:id="rId1"/>
   </p:sldMasterIdLst>
   <p:notesMasterIdLst>
-    <p:notesMasterId r:id="rId79"/>
+    <p:notesMasterId r:id="rId80"/>
   </p:notesMasterIdLst>
   <p:sldIdLst>
     <p:sldId id="256" r:id="rId2"/>
@@ -63,52 +63,53 @@
     <p:sldId id="308" r:id="rId54"/>
     <p:sldId id="309" r:id="rId55"/>
     <p:sldId id="310" r:id="rId56"/>
-    <p:sldId id="311" r:id="rId57"/>
-    <p:sldId id="312" r:id="rId58"/>
-    <p:sldId id="313" r:id="rId59"/>
-    <p:sldId id="314" r:id="rId60"/>
-    <p:sldId id="315" r:id="rId61"/>
-    <p:sldId id="316" r:id="rId62"/>
-    <p:sldId id="317" r:id="rId63"/>
-    <p:sldId id="318" r:id="rId64"/>
-    <p:sldId id="319" r:id="rId65"/>
-    <p:sldId id="320" r:id="rId66"/>
-    <p:sldId id="321" r:id="rId67"/>
-    <p:sldId id="322" r:id="rId68"/>
-    <p:sldId id="323" r:id="rId69"/>
-    <p:sldId id="324" r:id="rId70"/>
-    <p:sldId id="325" r:id="rId71"/>
-    <p:sldId id="326" r:id="rId72"/>
-    <p:sldId id="327" r:id="rId73"/>
-    <p:sldId id="328" r:id="rId74"/>
-    <p:sldId id="329" r:id="rId75"/>
-    <p:sldId id="330" r:id="rId76"/>
-    <p:sldId id="331" r:id="rId77"/>
-    <p:sldId id="332" r:id="rId78"/>
+    <p:sldId id="333" r:id="rId57"/>
+    <p:sldId id="311" r:id="rId58"/>
+    <p:sldId id="312" r:id="rId59"/>
+    <p:sldId id="313" r:id="rId60"/>
+    <p:sldId id="314" r:id="rId61"/>
+    <p:sldId id="315" r:id="rId62"/>
+    <p:sldId id="316" r:id="rId63"/>
+    <p:sldId id="317" r:id="rId64"/>
+    <p:sldId id="318" r:id="rId65"/>
+    <p:sldId id="319" r:id="rId66"/>
+    <p:sldId id="320" r:id="rId67"/>
+    <p:sldId id="321" r:id="rId68"/>
+    <p:sldId id="322" r:id="rId69"/>
+    <p:sldId id="323" r:id="rId70"/>
+    <p:sldId id="324" r:id="rId71"/>
+    <p:sldId id="325" r:id="rId72"/>
+    <p:sldId id="326" r:id="rId73"/>
+    <p:sldId id="327" r:id="rId74"/>
+    <p:sldId id="328" r:id="rId75"/>
+    <p:sldId id="329" r:id="rId76"/>
+    <p:sldId id="330" r:id="rId77"/>
+    <p:sldId id="331" r:id="rId78"/>
+    <p:sldId id="332" r:id="rId79"/>
   </p:sldIdLst>
   <p:sldSz cx="9144000" cy="5143500" type="screen16x9"/>
   <p:notesSz cx="7010400" cy="9296400"/>
   <p:embeddedFontLst>
     <p:embeddedFont>
       <p:font typeface="Lato" panose="020B0604020202020204" charset="0"/>
-      <p:regular r:id="rId80"/>
-      <p:bold r:id="rId81"/>
-      <p:italic r:id="rId82"/>
-      <p:boldItalic r:id="rId83"/>
+      <p:regular r:id="rId81"/>
+      <p:bold r:id="rId82"/>
+      <p:italic r:id="rId83"/>
+      <p:boldItalic r:id="rId84"/>
+    </p:embeddedFont>
+    <p:embeddedFont>
+      <p:font typeface="Raleway" panose="020B0604020202020204" charset="0"/>
+      <p:regular r:id="rId85"/>
+      <p:bold r:id="rId86"/>
+      <p:italic r:id="rId87"/>
+      <p:boldItalic r:id="rId88"/>
     </p:embeddedFont>
     <p:embeddedFont>
       <p:font typeface="Calibri" panose="020F0502020204030204" pitchFamily="34" charset="0"/>
-      <p:regular r:id="rId84"/>
-      <p:bold r:id="rId85"/>
-      <p:italic r:id="rId86"/>
-      <p:boldItalic r:id="rId87"/>
-    </p:embeddedFont>
-    <p:embeddedFont>
-      <p:font typeface="Raleway" panose="020B0604020202020204" charset="0"/>
-      <p:regular r:id="rId88"/>
-      <p:bold r:id="rId89"/>
-      <p:italic r:id="rId90"/>
-      <p:boldItalic r:id="rId91"/>
+      <p:regular r:id="rId89"/>
+      <p:bold r:id="rId90"/>
+      <p:italic r:id="rId91"/>
+      <p:boldItalic r:id="rId92"/>
     </p:embeddedFont>
   </p:embeddedFontLst>
   <p:defaultTextStyle>
@@ -3239,19 +3240,7 @@
                 <a:cs typeface="Calibri"/>
                 <a:sym typeface="Calibri"/>
               </a:rPr>
-              <a:t>List 3: real </a:t>
-            </a:r>
-            <a:r>
-              <a:rPr lang="en" sz="1200" dirty="0">
-                <a:solidFill>
-                  <a:schemeClr val="dk1"/>
-                </a:solidFill>
-                <a:latin typeface="Calibri"/>
-                <a:ea typeface="Calibri"/>
-                <a:cs typeface="Calibri"/>
-                <a:sym typeface="Calibri"/>
-              </a:rPr>
-              <a:t>words</a:t>
+              <a:t>List 3: real words</a:t>
             </a:r>
             <a:endParaRPr sz="1200" dirty="0">
               <a:solidFill>
@@ -28037,6 +28026,82 @@
   <p:cSld>
     <p:spTree>
       <p:nvGrpSpPr>
+        <p:cNvPr id="1" name=""/>
+        <p:cNvGrpSpPr/>
+        <p:nvPr/>
+      </p:nvGrpSpPr>
+      <p:grpSpPr>
+        <a:xfrm>
+          <a:off x="0" y="0"/>
+          <a:ext cx="0" cy="0"/>
+          <a:chOff x="0" y="0"/>
+          <a:chExt cx="0" cy="0"/>
+        </a:xfrm>
+      </p:grpSpPr>
+      <p:sp>
+        <p:nvSpPr>
+          <p:cNvPr id="4" name="Title 3"/>
+          <p:cNvSpPr>
+            <a:spLocks noGrp="1"/>
+          </p:cNvSpPr>
+          <p:nvPr>
+            <p:ph type="ctrTitle"/>
+          </p:nvPr>
+        </p:nvSpPr>
+        <p:spPr/>
+        <p:txBody>
+          <a:bodyPr/>
+          <a:lstStyle/>
+          <a:p>
+            <a:r>
+              <a:rPr lang="en-US" dirty="0" smtClean="0"/>
+              <a:t>Rest of this material to be covered on Monday w/ autobiographical memory</a:t>
+            </a:r>
+            <a:endParaRPr lang="en-US" dirty="0"/>
+          </a:p>
+        </p:txBody>
+      </p:sp>
+      <p:sp>
+        <p:nvSpPr>
+          <p:cNvPr id="5" name="Subtitle 4"/>
+          <p:cNvSpPr>
+            <a:spLocks noGrp="1"/>
+          </p:cNvSpPr>
+          <p:nvPr>
+            <p:ph type="subTitle" idx="1"/>
+          </p:nvPr>
+        </p:nvSpPr>
+        <p:spPr/>
+        <p:txBody>
+          <a:bodyPr/>
+          <a:lstStyle/>
+          <a:p>
+            <a:r>
+              <a:rPr lang="en-US" dirty="0" smtClean="0"/>
+              <a:t>Not responsible for this on quiz</a:t>
+            </a:r>
+            <a:endParaRPr lang="en-US" dirty="0"/>
+          </a:p>
+        </p:txBody>
+      </p:sp>
+    </p:spTree>
+    <p:extLst>
+      <p:ext uri="{BB962C8B-B14F-4D97-AF65-F5344CB8AC3E}">
+        <p14:creationId xmlns:p14="http://schemas.microsoft.com/office/powerpoint/2010/main" val="4046900382"/>
+      </p:ext>
+    </p:extLst>
+  </p:cSld>
+  <p:clrMapOvr>
+    <a:masterClrMapping/>
+  </p:clrMapOvr>
+</p:sld>
+</file>
+
+<file path=ppt/slides/slide57.xml><?xml version="1.0" encoding="utf-8"?>
+<p:sld xmlns:a="http://schemas.openxmlformats.org/drawingml/2006/main" xmlns:r="http://schemas.openxmlformats.org/officeDocument/2006/relationships" xmlns:p="http://schemas.openxmlformats.org/presentationml/2006/main">
+  <p:cSld>
+    <p:spTree>
+      <p:nvGrpSpPr>
         <p:cNvPr id="1" name="Shape 444"/>
         <p:cNvGrpSpPr/>
         <p:nvPr/>
@@ -28217,7 +28282,7 @@
 </p:sld>
 </file>
 
-<file path=ppt/slides/slide57.xml><?xml version="1.0" encoding="utf-8"?>
+<file path=ppt/slides/slide58.xml><?xml version="1.0" encoding="utf-8"?>
 <p:sld xmlns:a="http://schemas.openxmlformats.org/drawingml/2006/main" xmlns:r="http://schemas.openxmlformats.org/officeDocument/2006/relationships" xmlns:p="http://schemas.openxmlformats.org/presentationml/2006/main">
   <p:cSld>
     <p:spTree>
@@ -28457,7 +28522,7 @@
 </p:sld>
 </file>
 
-<file path=ppt/slides/slide58.xml><?xml version="1.0" encoding="utf-8"?>
+<file path=ppt/slides/slide59.xml><?xml version="1.0" encoding="utf-8"?>
 <p:sld xmlns:a="http://schemas.openxmlformats.org/drawingml/2006/main" xmlns:r="http://schemas.openxmlformats.org/officeDocument/2006/relationships" xmlns:p="http://schemas.openxmlformats.org/presentationml/2006/main">
   <p:cSld>
     <p:spTree>
@@ -28605,127 +28670,6 @@
           </a:p>
         </p:txBody>
       </p:sp>
-    </p:spTree>
-  </p:cSld>
-  <p:clrMapOvr>
-    <a:masterClrMapping/>
-  </p:clrMapOvr>
-</p:sld>
-</file>
-
-<file path=ppt/slides/slide59.xml><?xml version="1.0" encoding="utf-8"?>
-<p:sld xmlns:a="http://schemas.openxmlformats.org/drawingml/2006/main" xmlns:r="http://schemas.openxmlformats.org/officeDocument/2006/relationships" xmlns:p="http://schemas.openxmlformats.org/presentationml/2006/main">
-  <p:cSld>
-    <p:spTree>
-      <p:nvGrpSpPr>
-        <p:cNvPr id="1" name="Shape 462"/>
-        <p:cNvGrpSpPr/>
-        <p:nvPr/>
-      </p:nvGrpSpPr>
-      <p:grpSpPr>
-        <a:xfrm>
-          <a:off x="0" y="0"/>
-          <a:ext cx="0" cy="0"/>
-          <a:chOff x="0" y="0"/>
-          <a:chExt cx="0" cy="0"/>
-        </a:xfrm>
-      </p:grpSpPr>
-      <p:sp>
-        <p:nvSpPr>
-          <p:cNvPr id="463" name="Google Shape;463;p71"/>
-          <p:cNvSpPr txBox="1">
-            <a:spLocks noGrp="1"/>
-          </p:cNvSpPr>
-          <p:nvPr>
-            <p:ph type="title"/>
-          </p:nvPr>
-        </p:nvSpPr>
-        <p:spPr>
-          <a:xfrm>
-            <a:off x="893700" y="205988"/>
-            <a:ext cx="6462600" cy="857400"/>
-          </a:xfrm>
-          <a:prstGeom prst="rect">
-            <a:avLst/>
-          </a:prstGeom>
-        </p:spPr>
-        <p:txBody>
-          <a:bodyPr spcFirstLastPara="1" wrap="square" lIns="91425" tIns="91425" rIns="91425" bIns="91425" anchor="b" anchorCtr="0">
-            <a:noAutofit/>
-          </a:bodyPr>
-          <a:lstStyle/>
-          <a:p>
-            <a:pPr marL="0" lvl="0" indent="0" algn="l" rtl="0">
-              <a:spcBef>
-                <a:spcPts val="0"/>
-              </a:spcBef>
-              <a:spcAft>
-                <a:spcPts val="0"/>
-              </a:spcAft>
-              <a:buNone/>
-            </a:pPr>
-            <a:r>
-              <a:rPr lang="en"/>
-              <a:t>Consolidation</a:t>
-            </a:r>
-            <a:endParaRPr/>
-          </a:p>
-        </p:txBody>
-      </p:sp>
-      <p:pic>
-        <p:nvPicPr>
-          <p:cNvPr id="464" name="Google Shape;464;p71"/>
-          <p:cNvPicPr preferRelativeResize="0"/>
-          <p:nvPr/>
-        </p:nvPicPr>
-        <p:blipFill rotWithShape="1">
-          <a:blip r:embed="rId3">
-            <a:alphaModFix/>
-          </a:blip>
-          <a:srcRect t="48935"/>
-          <a:stretch/>
-        </p:blipFill>
-        <p:spPr>
-          <a:xfrm>
-            <a:off x="4961625" y="1427475"/>
-            <a:ext cx="3195050" cy="3380526"/>
-          </a:xfrm>
-          <a:prstGeom prst="rect">
-            <a:avLst/>
-          </a:prstGeom>
-          <a:noFill/>
-          <a:ln>
-            <a:noFill/>
-          </a:ln>
-        </p:spPr>
-      </p:pic>
-      <p:pic>
-        <p:nvPicPr>
-          <p:cNvPr id="465" name="Google Shape;465;p71"/>
-          <p:cNvPicPr preferRelativeResize="0"/>
-          <p:nvPr/>
-        </p:nvPicPr>
-        <p:blipFill rotWithShape="1">
-          <a:blip r:embed="rId3">
-            <a:alphaModFix/>
-          </a:blip>
-          <a:srcRect b="48935"/>
-          <a:stretch/>
-        </p:blipFill>
-        <p:spPr>
-          <a:xfrm>
-            <a:off x="1057550" y="1185955"/>
-            <a:ext cx="3423325" cy="3622049"/>
-          </a:xfrm>
-          <a:prstGeom prst="rect">
-            <a:avLst/>
-          </a:prstGeom>
-          <a:noFill/>
-          <a:ln>
-            <a:noFill/>
-          </a:ln>
-        </p:spPr>
-      </p:pic>
     </p:spTree>
   </p:cSld>
   <p:clrMapOvr>
@@ -28904,6 +28848,127 @@
   <p:cSld>
     <p:spTree>
       <p:nvGrpSpPr>
+        <p:cNvPr id="1" name="Shape 462"/>
+        <p:cNvGrpSpPr/>
+        <p:nvPr/>
+      </p:nvGrpSpPr>
+      <p:grpSpPr>
+        <a:xfrm>
+          <a:off x="0" y="0"/>
+          <a:ext cx="0" cy="0"/>
+          <a:chOff x="0" y="0"/>
+          <a:chExt cx="0" cy="0"/>
+        </a:xfrm>
+      </p:grpSpPr>
+      <p:sp>
+        <p:nvSpPr>
+          <p:cNvPr id="463" name="Google Shape;463;p71"/>
+          <p:cNvSpPr txBox="1">
+            <a:spLocks noGrp="1"/>
+          </p:cNvSpPr>
+          <p:nvPr>
+            <p:ph type="title"/>
+          </p:nvPr>
+        </p:nvSpPr>
+        <p:spPr>
+          <a:xfrm>
+            <a:off x="893700" y="205988"/>
+            <a:ext cx="6462600" cy="857400"/>
+          </a:xfrm>
+          <a:prstGeom prst="rect">
+            <a:avLst/>
+          </a:prstGeom>
+        </p:spPr>
+        <p:txBody>
+          <a:bodyPr spcFirstLastPara="1" wrap="square" lIns="91425" tIns="91425" rIns="91425" bIns="91425" anchor="b" anchorCtr="0">
+            <a:noAutofit/>
+          </a:bodyPr>
+          <a:lstStyle/>
+          <a:p>
+            <a:pPr marL="0" lvl="0" indent="0" algn="l" rtl="0">
+              <a:spcBef>
+                <a:spcPts val="0"/>
+              </a:spcBef>
+              <a:spcAft>
+                <a:spcPts val="0"/>
+              </a:spcAft>
+              <a:buNone/>
+            </a:pPr>
+            <a:r>
+              <a:rPr lang="en"/>
+              <a:t>Consolidation</a:t>
+            </a:r>
+            <a:endParaRPr/>
+          </a:p>
+        </p:txBody>
+      </p:sp>
+      <p:pic>
+        <p:nvPicPr>
+          <p:cNvPr id="464" name="Google Shape;464;p71"/>
+          <p:cNvPicPr preferRelativeResize="0"/>
+          <p:nvPr/>
+        </p:nvPicPr>
+        <p:blipFill rotWithShape="1">
+          <a:blip r:embed="rId3">
+            <a:alphaModFix/>
+          </a:blip>
+          <a:srcRect t="48935"/>
+          <a:stretch/>
+        </p:blipFill>
+        <p:spPr>
+          <a:xfrm>
+            <a:off x="4961625" y="1427475"/>
+            <a:ext cx="3195050" cy="3380526"/>
+          </a:xfrm>
+          <a:prstGeom prst="rect">
+            <a:avLst/>
+          </a:prstGeom>
+          <a:noFill/>
+          <a:ln>
+            <a:noFill/>
+          </a:ln>
+        </p:spPr>
+      </p:pic>
+      <p:pic>
+        <p:nvPicPr>
+          <p:cNvPr id="465" name="Google Shape;465;p71"/>
+          <p:cNvPicPr preferRelativeResize="0"/>
+          <p:nvPr/>
+        </p:nvPicPr>
+        <p:blipFill rotWithShape="1">
+          <a:blip r:embed="rId3">
+            <a:alphaModFix/>
+          </a:blip>
+          <a:srcRect b="48935"/>
+          <a:stretch/>
+        </p:blipFill>
+        <p:spPr>
+          <a:xfrm>
+            <a:off x="1057550" y="1185955"/>
+            <a:ext cx="3423325" cy="3622049"/>
+          </a:xfrm>
+          <a:prstGeom prst="rect">
+            <a:avLst/>
+          </a:prstGeom>
+          <a:noFill/>
+          <a:ln>
+            <a:noFill/>
+          </a:ln>
+        </p:spPr>
+      </p:pic>
+    </p:spTree>
+  </p:cSld>
+  <p:clrMapOvr>
+    <a:masterClrMapping/>
+  </p:clrMapOvr>
+</p:sld>
+</file>
+
+<file path=ppt/slides/slide61.xml><?xml version="1.0" encoding="utf-8"?>
+<p:sld xmlns:a="http://schemas.openxmlformats.org/drawingml/2006/main" xmlns:r="http://schemas.openxmlformats.org/officeDocument/2006/relationships" xmlns:p="http://schemas.openxmlformats.org/presentationml/2006/main">
+  <p:cSld>
+    <p:spTree>
+      <p:nvGrpSpPr>
         <p:cNvPr id="1" name="Shape 469"/>
         <p:cNvGrpSpPr/>
         <p:nvPr/>
@@ -29112,7 +29177,7 @@
 </p:sld>
 </file>
 
-<file path=ppt/slides/slide61.xml><?xml version="1.0" encoding="utf-8"?>
+<file path=ppt/slides/slide62.xml><?xml version="1.0" encoding="utf-8"?>
 <p:sld xmlns:a="http://schemas.openxmlformats.org/drawingml/2006/main" xmlns:r="http://schemas.openxmlformats.org/officeDocument/2006/relationships" xmlns:p="http://schemas.openxmlformats.org/presentationml/2006/main">
   <p:cSld>
     <p:spTree>
@@ -29207,7 +29272,7 @@
 </p:sld>
 </file>
 
-<file path=ppt/slides/slide62.xml><?xml version="1.0" encoding="utf-8"?>
+<file path=ppt/slides/slide63.xml><?xml version="1.0" encoding="utf-8"?>
 <p:sld xmlns:a="http://schemas.openxmlformats.org/drawingml/2006/main" xmlns:r="http://schemas.openxmlformats.org/officeDocument/2006/relationships" xmlns:p="http://schemas.openxmlformats.org/presentationml/2006/main">
   <p:cSld>
     <p:spTree>
@@ -29374,7 +29439,7 @@
 </p:sld>
 </file>
 
-<file path=ppt/slides/slide63.xml><?xml version="1.0" encoding="utf-8"?>
+<file path=ppt/slides/slide64.xml><?xml version="1.0" encoding="utf-8"?>
 <p:sld xmlns:a="http://schemas.openxmlformats.org/drawingml/2006/main" xmlns:r="http://schemas.openxmlformats.org/officeDocument/2006/relationships" xmlns:p="http://schemas.openxmlformats.org/presentationml/2006/main">
   <p:cSld>
     <p:spTree>
@@ -29552,7 +29617,7 @@
 </p:sld>
 </file>
 
-<file path=ppt/slides/slide64.xml><?xml version="1.0" encoding="utf-8"?>
+<file path=ppt/slides/slide65.xml><?xml version="1.0" encoding="utf-8"?>
 <p:sld xmlns:a="http://schemas.openxmlformats.org/drawingml/2006/main" xmlns:r="http://schemas.openxmlformats.org/officeDocument/2006/relationships" xmlns:p="http://schemas.openxmlformats.org/presentationml/2006/main">
   <p:cSld>
     <p:spTree>
@@ -29675,7 +29740,7 @@
 </p:sld>
 </file>
 
-<file path=ppt/slides/slide65.xml><?xml version="1.0" encoding="utf-8"?>
+<file path=ppt/slides/slide66.xml><?xml version="1.0" encoding="utf-8"?>
 <p:sld xmlns:a="http://schemas.openxmlformats.org/drawingml/2006/main" xmlns:r="http://schemas.openxmlformats.org/officeDocument/2006/relationships" xmlns:p="http://schemas.openxmlformats.org/presentationml/2006/main">
   <p:cSld>
     <p:spTree>
@@ -29885,7 +29950,7 @@
 </p:sld>
 </file>
 
-<file path=ppt/slides/slide66.xml><?xml version="1.0" encoding="utf-8"?>
+<file path=ppt/slides/slide67.xml><?xml version="1.0" encoding="utf-8"?>
 <p:sld xmlns:a="http://schemas.openxmlformats.org/drawingml/2006/main" xmlns:r="http://schemas.openxmlformats.org/officeDocument/2006/relationships" xmlns:p="http://schemas.openxmlformats.org/presentationml/2006/main">
   <p:cSld>
     <p:spTree>
@@ -30114,7 +30179,7 @@
 </p:sld>
 </file>
 
-<file path=ppt/slides/slide67.xml><?xml version="1.0" encoding="utf-8"?>
+<file path=ppt/slides/slide68.xml><?xml version="1.0" encoding="utf-8"?>
 <p:sld xmlns:a="http://schemas.openxmlformats.org/drawingml/2006/main" xmlns:r="http://schemas.openxmlformats.org/officeDocument/2006/relationships" xmlns:p="http://schemas.openxmlformats.org/presentationml/2006/main">
   <p:cSld>
     <p:spTree>
@@ -30372,7 +30437,7 @@
 </p:sld>
 </file>
 
-<file path=ppt/slides/slide68.xml><?xml version="1.0" encoding="utf-8"?>
+<file path=ppt/slides/slide69.xml><?xml version="1.0" encoding="utf-8"?>
 <p:sld xmlns:a="http://schemas.openxmlformats.org/drawingml/2006/main" xmlns:r="http://schemas.openxmlformats.org/officeDocument/2006/relationships" xmlns:p="http://schemas.openxmlformats.org/presentationml/2006/main">
   <p:cSld>
     <p:spTree>
@@ -30584,157 +30649,6 @@
               </a:spcAft>
               <a:buNone/>
             </a:pPr>
-            <a:endParaRPr/>
-          </a:p>
-        </p:txBody>
-      </p:sp>
-    </p:spTree>
-  </p:cSld>
-  <p:clrMapOvr>
-    <a:masterClrMapping/>
-  </p:clrMapOvr>
-</p:sld>
-</file>
-
-<file path=ppt/slides/slide69.xml><?xml version="1.0" encoding="utf-8"?>
-<p:sld xmlns:a="http://schemas.openxmlformats.org/drawingml/2006/main" xmlns:r="http://schemas.openxmlformats.org/officeDocument/2006/relationships" xmlns:p="http://schemas.openxmlformats.org/presentationml/2006/main">
-  <p:cSld>
-    <p:spTree>
-      <p:nvGrpSpPr>
-        <p:cNvPr id="1" name="Shape 527"/>
-        <p:cNvGrpSpPr/>
-        <p:nvPr/>
-      </p:nvGrpSpPr>
-      <p:grpSpPr>
-        <a:xfrm>
-          <a:off x="0" y="0"/>
-          <a:ext cx="0" cy="0"/>
-          <a:chOff x="0" y="0"/>
-          <a:chExt cx="0" cy="0"/>
-        </a:xfrm>
-      </p:grpSpPr>
-      <p:sp>
-        <p:nvSpPr>
-          <p:cNvPr id="528" name="Google Shape;528;p81"/>
-          <p:cNvSpPr txBox="1">
-            <a:spLocks noGrp="1"/>
-          </p:cNvSpPr>
-          <p:nvPr>
-            <p:ph type="title"/>
-          </p:nvPr>
-        </p:nvSpPr>
-        <p:spPr>
-          <a:xfrm>
-            <a:off x="893700" y="205988"/>
-            <a:ext cx="6462600" cy="857400"/>
-          </a:xfrm>
-          <a:prstGeom prst="rect">
-            <a:avLst/>
-          </a:prstGeom>
-        </p:spPr>
-        <p:txBody>
-          <a:bodyPr spcFirstLastPara="1" wrap="square" lIns="91425" tIns="91425" rIns="91425" bIns="91425" anchor="b" anchorCtr="0">
-            <a:noAutofit/>
-          </a:bodyPr>
-          <a:lstStyle/>
-          <a:p>
-            <a:pPr marL="0" lvl="0" indent="0" algn="l" rtl="0">
-              <a:spcBef>
-                <a:spcPts val="0"/>
-              </a:spcBef>
-              <a:spcAft>
-                <a:spcPts val="0"/>
-              </a:spcAft>
-              <a:buNone/>
-            </a:pPr>
-            <a:r>
-              <a:rPr lang="en"/>
-              <a:t>Participation + Minute Paper</a:t>
-            </a:r>
-            <a:endParaRPr/>
-          </a:p>
-        </p:txBody>
-      </p:sp>
-      <p:sp>
-        <p:nvSpPr>
-          <p:cNvPr id="529" name="Google Shape;529;p81"/>
-          <p:cNvSpPr txBox="1">
-            <a:spLocks noGrp="1"/>
-          </p:cNvSpPr>
-          <p:nvPr>
-            <p:ph type="body" idx="1"/>
-          </p:nvPr>
-        </p:nvSpPr>
-        <p:spPr>
-          <a:xfrm>
-            <a:off x="543625" y="1373600"/>
-            <a:ext cx="8447100" cy="3552300"/>
-          </a:xfrm>
-          <a:prstGeom prst="rect">
-            <a:avLst/>
-          </a:prstGeom>
-        </p:spPr>
-        <p:txBody>
-          <a:bodyPr spcFirstLastPara="1" wrap="square" lIns="91425" tIns="91425" rIns="91425" bIns="91425" anchor="t" anchorCtr="0">
-            <a:noAutofit/>
-          </a:bodyPr>
-          <a:lstStyle/>
-          <a:p>
-            <a:pPr marL="0" lvl="0" indent="0" algn="l" rtl="0">
-              <a:spcBef>
-                <a:spcPts val="600"/>
-              </a:spcBef>
-              <a:spcAft>
-                <a:spcPts val="0"/>
-              </a:spcAft>
-              <a:buNone/>
-            </a:pPr>
-            <a:r>
-              <a:rPr lang="en" u="sng">
-                <a:solidFill>
-                  <a:schemeClr val="hlink"/>
-                </a:solidFill>
-                <a:hlinkClick r:id="rId3"/>
-              </a:rPr>
-              <a:t>https://tinyurl.com/PSY102Participation</a:t>
-            </a:r>
-            <a:endParaRPr/>
-          </a:p>
-          <a:p>
-            <a:pPr marL="0" lvl="0" indent="0" algn="l" rtl="0">
-              <a:spcBef>
-                <a:spcPts val="600"/>
-              </a:spcBef>
-              <a:spcAft>
-                <a:spcPts val="0"/>
-              </a:spcAft>
-              <a:buNone/>
-            </a:pPr>
-            <a:endParaRPr/>
-          </a:p>
-          <a:p>
-            <a:pPr marL="0" lvl="0" indent="0" algn="l" rtl="0">
-              <a:spcBef>
-                <a:spcPts val="600"/>
-              </a:spcBef>
-              <a:spcAft>
-                <a:spcPts val="0"/>
-              </a:spcAft>
-              <a:buNone/>
-            </a:pPr>
-            <a:r>
-              <a:rPr lang="en" u="sng">
-                <a:solidFill>
-                  <a:schemeClr val="hlink"/>
-                </a:solidFill>
-                <a:hlinkClick r:id="rId4"/>
-              </a:rPr>
-              <a:t>https://tinyurl.com/PSY102MinutePaperMay31</a:t>
-            </a:r>
-            <a:r>
-              <a:rPr lang="en"/>
-              <a:t> </a:t>
-            </a:r>
             <a:endParaRPr/>
           </a:p>
         </p:txBody>
@@ -31053,6 +30967,157 @@
   <p:cSld>
     <p:spTree>
       <p:nvGrpSpPr>
+        <p:cNvPr id="1" name="Shape 527"/>
+        <p:cNvGrpSpPr/>
+        <p:nvPr/>
+      </p:nvGrpSpPr>
+      <p:grpSpPr>
+        <a:xfrm>
+          <a:off x="0" y="0"/>
+          <a:ext cx="0" cy="0"/>
+          <a:chOff x="0" y="0"/>
+          <a:chExt cx="0" cy="0"/>
+        </a:xfrm>
+      </p:grpSpPr>
+      <p:sp>
+        <p:nvSpPr>
+          <p:cNvPr id="528" name="Google Shape;528;p81"/>
+          <p:cNvSpPr txBox="1">
+            <a:spLocks noGrp="1"/>
+          </p:cNvSpPr>
+          <p:nvPr>
+            <p:ph type="title"/>
+          </p:nvPr>
+        </p:nvSpPr>
+        <p:spPr>
+          <a:xfrm>
+            <a:off x="893700" y="205988"/>
+            <a:ext cx="6462600" cy="857400"/>
+          </a:xfrm>
+          <a:prstGeom prst="rect">
+            <a:avLst/>
+          </a:prstGeom>
+        </p:spPr>
+        <p:txBody>
+          <a:bodyPr spcFirstLastPara="1" wrap="square" lIns="91425" tIns="91425" rIns="91425" bIns="91425" anchor="b" anchorCtr="0">
+            <a:noAutofit/>
+          </a:bodyPr>
+          <a:lstStyle/>
+          <a:p>
+            <a:pPr marL="0" lvl="0" indent="0" algn="l" rtl="0">
+              <a:spcBef>
+                <a:spcPts val="0"/>
+              </a:spcBef>
+              <a:spcAft>
+                <a:spcPts val="0"/>
+              </a:spcAft>
+              <a:buNone/>
+            </a:pPr>
+            <a:r>
+              <a:rPr lang="en"/>
+              <a:t>Participation + Minute Paper</a:t>
+            </a:r>
+            <a:endParaRPr/>
+          </a:p>
+        </p:txBody>
+      </p:sp>
+      <p:sp>
+        <p:nvSpPr>
+          <p:cNvPr id="529" name="Google Shape;529;p81"/>
+          <p:cNvSpPr txBox="1">
+            <a:spLocks noGrp="1"/>
+          </p:cNvSpPr>
+          <p:nvPr>
+            <p:ph type="body" idx="1"/>
+          </p:nvPr>
+        </p:nvSpPr>
+        <p:spPr>
+          <a:xfrm>
+            <a:off x="543625" y="1373600"/>
+            <a:ext cx="8447100" cy="3552300"/>
+          </a:xfrm>
+          <a:prstGeom prst="rect">
+            <a:avLst/>
+          </a:prstGeom>
+        </p:spPr>
+        <p:txBody>
+          <a:bodyPr spcFirstLastPara="1" wrap="square" lIns="91425" tIns="91425" rIns="91425" bIns="91425" anchor="t" anchorCtr="0">
+            <a:noAutofit/>
+          </a:bodyPr>
+          <a:lstStyle/>
+          <a:p>
+            <a:pPr marL="0" lvl="0" indent="0" algn="l" rtl="0">
+              <a:spcBef>
+                <a:spcPts val="600"/>
+              </a:spcBef>
+              <a:spcAft>
+                <a:spcPts val="0"/>
+              </a:spcAft>
+              <a:buNone/>
+            </a:pPr>
+            <a:r>
+              <a:rPr lang="en" u="sng">
+                <a:solidFill>
+                  <a:schemeClr val="hlink"/>
+                </a:solidFill>
+                <a:hlinkClick r:id="rId3"/>
+              </a:rPr>
+              <a:t>https://tinyurl.com/PSY102Participation</a:t>
+            </a:r>
+            <a:endParaRPr/>
+          </a:p>
+          <a:p>
+            <a:pPr marL="0" lvl="0" indent="0" algn="l" rtl="0">
+              <a:spcBef>
+                <a:spcPts val="600"/>
+              </a:spcBef>
+              <a:spcAft>
+                <a:spcPts val="0"/>
+              </a:spcAft>
+              <a:buNone/>
+            </a:pPr>
+            <a:endParaRPr/>
+          </a:p>
+          <a:p>
+            <a:pPr marL="0" lvl="0" indent="0" algn="l" rtl="0">
+              <a:spcBef>
+                <a:spcPts val="600"/>
+              </a:spcBef>
+              <a:spcAft>
+                <a:spcPts val="0"/>
+              </a:spcAft>
+              <a:buNone/>
+            </a:pPr>
+            <a:r>
+              <a:rPr lang="en" u="sng">
+                <a:solidFill>
+                  <a:schemeClr val="hlink"/>
+                </a:solidFill>
+                <a:hlinkClick r:id="rId4"/>
+              </a:rPr>
+              <a:t>https://tinyurl.com/PSY102MinutePaperMay31</a:t>
+            </a:r>
+            <a:r>
+              <a:rPr lang="en"/>
+              <a:t> </a:t>
+            </a:r>
+            <a:endParaRPr/>
+          </a:p>
+        </p:txBody>
+      </p:sp>
+    </p:spTree>
+  </p:cSld>
+  <p:clrMapOvr>
+    <a:masterClrMapping/>
+  </p:clrMapOvr>
+</p:sld>
+</file>
+
+<file path=ppt/slides/slide71.xml><?xml version="1.0" encoding="utf-8"?>
+<p:sld xmlns:a="http://schemas.openxmlformats.org/drawingml/2006/main" xmlns:r="http://schemas.openxmlformats.org/officeDocument/2006/relationships" xmlns:p="http://schemas.openxmlformats.org/presentationml/2006/main">
+  <p:cSld>
+    <p:spTree>
+      <p:nvGrpSpPr>
         <p:cNvPr id="1" name="Shape 533"/>
         <p:cNvGrpSpPr/>
         <p:nvPr/>
@@ -31157,7 +31222,7 @@
 </p:sld>
 </file>
 
-<file path=ppt/slides/slide71.xml><?xml version="1.0" encoding="utf-8"?>
+<file path=ppt/slides/slide72.xml><?xml version="1.0" encoding="utf-8"?>
 <p:sld xmlns:a="http://schemas.openxmlformats.org/drawingml/2006/main" xmlns:r="http://schemas.openxmlformats.org/officeDocument/2006/relationships" xmlns:p="http://schemas.openxmlformats.org/presentationml/2006/main">
   <p:cSld>
     <p:spTree>
@@ -31266,7 +31331,7 @@
 </p:sld>
 </file>
 
-<file path=ppt/slides/slide72.xml><?xml version="1.0" encoding="utf-8"?>
+<file path=ppt/slides/slide73.xml><?xml version="1.0" encoding="utf-8"?>
 <p:sld xmlns:a="http://schemas.openxmlformats.org/drawingml/2006/main" xmlns:r="http://schemas.openxmlformats.org/officeDocument/2006/relationships" xmlns:p="http://schemas.openxmlformats.org/presentationml/2006/main">
   <p:cSld>
     <p:spTree>
@@ -31401,7 +31466,7 @@
 </p:sld>
 </file>
 
-<file path=ppt/slides/slide73.xml><?xml version="1.0" encoding="utf-8"?>
+<file path=ppt/slides/slide74.xml><?xml version="1.0" encoding="utf-8"?>
 <p:sld xmlns:a="http://schemas.openxmlformats.org/drawingml/2006/main" xmlns:r="http://schemas.openxmlformats.org/officeDocument/2006/relationships" xmlns:p="http://schemas.openxmlformats.org/presentationml/2006/main">
   <p:cSld>
     <p:spTree>
@@ -31536,7 +31601,7 @@
 </p:sld>
 </file>
 
-<file path=ppt/slides/slide74.xml><?xml version="1.0" encoding="utf-8"?>
+<file path=ppt/slides/slide75.xml><?xml version="1.0" encoding="utf-8"?>
 <p:sld xmlns:a="http://schemas.openxmlformats.org/drawingml/2006/main" xmlns:r="http://schemas.openxmlformats.org/officeDocument/2006/relationships" xmlns:p="http://schemas.openxmlformats.org/presentationml/2006/main">
   <p:cSld>
     <p:spTree>
@@ -31671,7 +31736,7 @@
 </p:sld>
 </file>
 
-<file path=ppt/slides/slide75.xml><?xml version="1.0" encoding="utf-8"?>
+<file path=ppt/slides/slide76.xml><?xml version="1.0" encoding="utf-8"?>
 <p:sld xmlns:a="http://schemas.openxmlformats.org/drawingml/2006/main" xmlns:r="http://schemas.openxmlformats.org/officeDocument/2006/relationships" xmlns:p="http://schemas.openxmlformats.org/presentationml/2006/main">
   <p:cSld>
     <p:spTree>
@@ -31806,7 +31871,7 @@
 </p:sld>
 </file>
 
-<file path=ppt/slides/slide76.xml><?xml version="1.0" encoding="utf-8"?>
+<file path=ppt/slides/slide77.xml><?xml version="1.0" encoding="utf-8"?>
 <p:sld xmlns:a="http://schemas.openxmlformats.org/drawingml/2006/main" xmlns:r="http://schemas.openxmlformats.org/officeDocument/2006/relationships" xmlns:p="http://schemas.openxmlformats.org/presentationml/2006/main">
   <p:cSld>
     <p:spTree>
@@ -31941,7 +32006,7 @@
 </p:sld>
 </file>
 
-<file path=ppt/slides/slide77.xml><?xml version="1.0" encoding="utf-8"?>
+<file path=ppt/slides/slide78.xml><?xml version="1.0" encoding="utf-8"?>
 <p:sld xmlns:a="http://schemas.openxmlformats.org/drawingml/2006/main" xmlns:r="http://schemas.openxmlformats.org/officeDocument/2006/relationships" xmlns:p="http://schemas.openxmlformats.org/presentationml/2006/main">
   <p:cSld>
     <p:spTree>

--- a/files/CogPsychDay12.pptx
+++ b/files/CogPsychDay12.pptx
@@ -91,21 +91,21 @@
   <p:notesSz cx="7010400" cy="9296400"/>
   <p:embeddedFontLst>
     <p:embeddedFont>
-      <p:font typeface="Lato" panose="020B0604020202020204" charset="0"/>
+      <p:font typeface="Calibri" panose="020F0502020204030204" pitchFamily="34" charset="0"/>
       <p:regular r:id="rId81"/>
       <p:bold r:id="rId82"/>
       <p:italic r:id="rId83"/>
       <p:boldItalic r:id="rId84"/>
     </p:embeddedFont>
     <p:embeddedFont>
-      <p:font typeface="Raleway" panose="020B0604020202020204" charset="0"/>
+      <p:font typeface="Lato" panose="020F0502020204030203" pitchFamily="34" charset="0"/>
       <p:regular r:id="rId85"/>
       <p:bold r:id="rId86"/>
       <p:italic r:id="rId87"/>
       <p:boldItalic r:id="rId88"/>
     </p:embeddedFont>
     <p:embeddedFont>
-      <p:font typeface="Calibri" panose="020F0502020204030204" pitchFamily="34" charset="0"/>
+      <p:font typeface="Raleway" panose="020B0604020202020204" charset="0"/>
       <p:regular r:id="rId89"/>
       <p:bold r:id="rId90"/>
       <p:italic r:id="rId91"/>
@@ -18255,33 +18255,7 @@
               <a:buNone/>
             </a:pPr>
             <a:r>
-              <a:rPr lang="en">
-                <a:latin typeface="Lato"/>
-                <a:ea typeface="Lato"/>
-                <a:cs typeface="Lato"/>
-                <a:sym typeface="Lato"/>
-              </a:rPr>
-              <a:t>Declarative/Explicit vs. Nondeclarative/Implicit: H.M./Clive</a:t>
-            </a:r>
-            <a:endParaRPr>
-              <a:latin typeface="Lato"/>
-              <a:ea typeface="Lato"/>
-              <a:cs typeface="Lato"/>
-              <a:sym typeface="Lato"/>
-            </a:endParaRPr>
-          </a:p>
-          <a:p>
-            <a:pPr marL="0" lvl="0" indent="0" algn="l" rtl="0">
-              <a:spcBef>
-                <a:spcPts val="0"/>
-              </a:spcBef>
-              <a:spcAft>
-                <a:spcPts val="0"/>
-              </a:spcAft>
-              <a:buNone/>
-            </a:pPr>
-            <a:r>
-              <a:rPr lang="en">
+              <a:rPr lang="en" dirty="0">
                 <a:latin typeface="Lato"/>
                 <a:ea typeface="Lato"/>
                 <a:cs typeface="Lato"/>
@@ -18289,7 +18263,7 @@
               </a:rPr>
               <a:t>Episodic vs. Semantic: K.C. vs. Italian Woman</a:t>
             </a:r>
-            <a:endParaRPr>
+            <a:endParaRPr dirty="0">
               <a:latin typeface="Lato"/>
               <a:ea typeface="Lato"/>
               <a:cs typeface="Lato"/>
@@ -18307,7 +18281,7 @@
               <a:buNone/>
             </a:pPr>
             <a:r>
-              <a:rPr lang="en">
+              <a:rPr lang="en" dirty="0">
                 <a:latin typeface="Lato"/>
                 <a:ea typeface="Lato"/>
                 <a:cs typeface="Lato"/>
@@ -18315,7 +18289,7 @@
               </a:rPr>
               <a:t>Episodic vs. Procedural: H.M./Clive vs. Parkinson’s</a:t>
             </a:r>
-            <a:endParaRPr>
+            <a:endParaRPr dirty="0">
               <a:latin typeface="Lato"/>
               <a:ea typeface="Lato"/>
               <a:cs typeface="Lato"/>
@@ -18333,7 +18307,7 @@
               <a:buNone/>
             </a:pPr>
             <a:r>
-              <a:rPr lang="en">
+              <a:rPr lang="en" dirty="0">
                 <a:latin typeface="Lato"/>
                 <a:ea typeface="Lato"/>
                 <a:cs typeface="Lato"/>
@@ -18341,7 +18315,7 @@
               </a:rPr>
               <a:t>Episodic vs. Priming: Developmental &amp; MS</a:t>
             </a:r>
-            <a:endParaRPr>
+            <a:endParaRPr dirty="0">
               <a:latin typeface="Lato"/>
               <a:ea typeface="Lato"/>
               <a:cs typeface="Lato"/>
@@ -18359,7 +18333,7 @@
               <a:buNone/>
             </a:pPr>
             <a:r>
-              <a:rPr lang="en">
+              <a:rPr lang="en" dirty="0">
                 <a:latin typeface="Lato"/>
                 <a:ea typeface="Lato"/>
                 <a:cs typeface="Lato"/>
@@ -18367,7 +18341,7 @@
               </a:rPr>
               <a:t>Episodic vs. Conditioning: exists, not discussing</a:t>
             </a:r>
-            <a:endParaRPr>
+            <a:endParaRPr dirty="0">
               <a:latin typeface="Lato"/>
               <a:ea typeface="Lato"/>
               <a:cs typeface="Lato"/>
@@ -18385,7 +18359,7 @@
               <a:buNone/>
             </a:pPr>
             <a:r>
-              <a:rPr lang="en">
+              <a:rPr lang="en" dirty="0">
                 <a:latin typeface="Lato"/>
                 <a:ea typeface="Lato"/>
                 <a:cs typeface="Lato"/>
@@ -18393,7 +18367,7 @@
               </a:rPr>
               <a:t>STM vs. LTM: HM/Clive vs. K.F.; recency vs. primacy</a:t>
             </a:r>
-            <a:endParaRPr>
+            <a:endParaRPr dirty="0">
               <a:latin typeface="Lato"/>
               <a:ea typeface="Lato"/>
               <a:cs typeface="Lato"/>
@@ -28054,10 +28028,9 @@
           <a:lstStyle/>
           <a:p>
             <a:r>
-              <a:rPr lang="en-US" dirty="0" smtClean="0"/>
+              <a:rPr lang="en-US" dirty="0"/>
               <a:t>Rest of this material to be covered on Monday w/ autobiographical memory</a:t>
             </a:r>
-            <a:endParaRPr lang="en-US" dirty="0"/>
           </a:p>
         </p:txBody>
       </p:sp>
@@ -28077,10 +28050,9 @@
           <a:lstStyle/>
           <a:p>
             <a:r>
-              <a:rPr lang="en-US" dirty="0" smtClean="0"/>
+              <a:rPr lang="en-US" dirty="0"/>
               <a:t>Not responsible for this on quiz</a:t>
             </a:r>
-            <a:endParaRPr lang="en-US" dirty="0"/>
           </a:p>
         </p:txBody>
       </p:sp>
